--- a/aula10/Aula10.pptx
+++ b/aula10/Aula10.pptx
@@ -16845,16 +16845,36 @@
               </a:lnSpc>
             </a:pPr>
             <a:r>
-              <a:rPr lang="pt-BR" sz="5400" b="1" strike="noStrike" spc="-1">
+              <a:rPr lang="pt-BR" sz="5400" b="1" strike="noStrike" spc="-1" dirty="0" err="1">
                 <a:solidFill>
                   <a:srgbClr val="002060"/>
                 </a:solidFill>
                 <a:latin typeface="Overpass"/>
                 <a:ea typeface="Overpass"/>
               </a:rPr>
-              <a:t>Let’s Work</a:t>
-            </a:r>
-            <a:endParaRPr lang="pt-BR" sz="5400" b="0" strike="noStrike" spc="-1">
+              <a:t>Let’s</a:t>
+            </a:r>
+            <a:r>
+              <a:rPr lang="pt-BR" sz="5400" b="1" strike="noStrike" spc="-1" dirty="0">
+                <a:solidFill>
+                  <a:srgbClr val="002060"/>
+                </a:solidFill>
+                <a:latin typeface="Overpass"/>
+                <a:ea typeface="Overpass"/>
+              </a:rPr>
+              <a:t> </a:t>
+            </a:r>
+            <a:r>
+              <a:rPr lang="pt-BR" sz="5400" b="1" strike="noStrike" spc="-1" dirty="0" err="1">
+                <a:solidFill>
+                  <a:srgbClr val="002060"/>
+                </a:solidFill>
+                <a:latin typeface="Overpass"/>
+                <a:ea typeface="Overpass"/>
+              </a:rPr>
+              <a:t>Work</a:t>
+            </a:r>
+            <a:endParaRPr lang="pt-BR" sz="5400" b="0" strike="noStrike" spc="-1" dirty="0">
               <a:solidFill>
                 <a:srgbClr val="000000"/>
               </a:solidFill>
@@ -18050,14 +18070,14 @@
       </p:grpSpPr>
       <p:sp>
         <p:nvSpPr>
-          <p:cNvPr id="240" name="Título 19"/>
+          <p:cNvPr id="242" name="CaixaDeTexto 19"/>
           <p:cNvSpPr/>
           <p:nvPr/>
         </p:nvSpPr>
         <p:spPr>
           <a:xfrm>
-            <a:off x="291960" y="189000"/>
-            <a:ext cx="7479360" cy="898920"/>
+            <a:off x="291960" y="1113480"/>
+            <a:ext cx="7692840" cy="4820040"/>
           </a:xfrm>
           <a:prstGeom prst="rect">
             <a:avLst/>
@@ -18080,40 +18100,346 @@
           <a:fontRef idx="minor"/>
         </p:style>
         <p:txBody>
-          <a:bodyPr lIns="90000" tIns="91440" rIns="90000" bIns="91440" anchor="t">
-            <a:noAutofit/>
+          <a:bodyPr lIns="90000" tIns="45000" rIns="90000" bIns="45000" anchor="t">
+            <a:spAutoFit/>
           </a:bodyPr>
           <a:lstStyle/>
           <a:p>
-            <a:pPr>
-              <a:lnSpc>
-                <a:spcPct val="100000"/>
-              </a:lnSpc>
-            </a:pPr>
-            <a:r>
-              <a:rPr lang="pt-BR" sz="5400" b="1" strike="noStrike" spc="-1">
-                <a:solidFill>
-                  <a:srgbClr val="002060"/>
-                </a:solidFill>
-                <a:latin typeface="Overpass"/>
-                <a:ea typeface="Overpass"/>
+            <a:pPr marL="216000" indent="-216000" algn="just">
+              <a:lnSpc>
+                <a:spcPct val="115000"/>
+              </a:lnSpc>
+              <a:buClr>
+                <a:srgbClr val="000000"/>
+              </a:buClr>
+              <a:buFont typeface="Arial"/>
+              <a:buChar char="●"/>
+            </a:pPr>
+            <a:r>
+              <a:rPr lang="pt-BR" sz="1800" b="0" strike="noStrike" spc="-1" dirty="0">
+                <a:solidFill>
+                  <a:srgbClr val="01498E"/>
+                </a:solidFill>
+                <a:latin typeface="Arial"/>
+                <a:ea typeface="Calibri"/>
               </a:rPr>
-              <a:t>Flask</a:t>
-            </a:r>
-            <a:endParaRPr lang="pt-BR" sz="5400" b="0" strike="noStrike" spc="-1">
-              <a:solidFill>
-                <a:srgbClr val="000000"/>
-              </a:solidFill>
-              <a:latin typeface="Arial"/>
-            </a:endParaRPr>
-          </a:p>
-          <a:p>
-            <a:pPr>
-              <a:lnSpc>
-                <a:spcPct val="100000"/>
-              </a:lnSpc>
-            </a:pPr>
-            <a:endParaRPr lang="pt-BR" sz="5400" b="0" strike="noStrike" spc="-1">
+              <a:t>Criando Páginas Dinâmicas com </a:t>
+            </a:r>
+            <a:r>
+              <a:rPr lang="pt-BR" sz="1800" b="0" strike="noStrike" spc="-1" dirty="0" err="1">
+                <a:solidFill>
+                  <a:srgbClr val="01498E"/>
+                </a:solidFill>
+                <a:latin typeface="Arial"/>
+                <a:ea typeface="Calibri"/>
+              </a:rPr>
+              <a:t>Templates</a:t>
+            </a:r>
+            <a:r>
+              <a:rPr lang="pt-BR" sz="1800" b="0" strike="noStrike" spc="-1" dirty="0">
+                <a:solidFill>
+                  <a:srgbClr val="01498E"/>
+                </a:solidFill>
+                <a:latin typeface="Arial"/>
+                <a:ea typeface="Calibri"/>
+              </a:rPr>
+              <a:t>"</a:t>
+            </a:r>
+            <a:endParaRPr lang="pt-BR" sz="1800" b="0" strike="noStrike" spc="-1" dirty="0">
+              <a:solidFill>
+                <a:srgbClr val="000000"/>
+              </a:solidFill>
+              <a:latin typeface="Arial"/>
+            </a:endParaRPr>
+          </a:p>
+          <a:p>
+            <a:pPr marL="432000" lvl="1" indent="-216000" algn="just">
+              <a:lnSpc>
+                <a:spcPct val="115000"/>
+              </a:lnSpc>
+              <a:buClr>
+                <a:srgbClr val="000000"/>
+              </a:buClr>
+              <a:buSzPct val="45000"/>
+              <a:buFont typeface="Wingdings" charset="2"/>
+              <a:buChar char=""/>
+            </a:pPr>
+            <a:r>
+              <a:rPr lang="pt-BR" sz="1800" b="0" strike="noStrike" spc="-1" dirty="0">
+                <a:solidFill>
+                  <a:srgbClr val="01498E"/>
+                </a:solidFill>
+                <a:latin typeface="Arial"/>
+                <a:ea typeface="Calibri"/>
+              </a:rPr>
+              <a:t>Passo 1: Crie a pasta </a:t>
+            </a:r>
+            <a:r>
+              <a:rPr lang="pt-BR" sz="1800" b="0" strike="noStrike" spc="-1" dirty="0" err="1">
+                <a:solidFill>
+                  <a:srgbClr val="01498E"/>
+                </a:solidFill>
+                <a:latin typeface="Arial"/>
+                <a:ea typeface="Calibri"/>
+              </a:rPr>
+              <a:t>templates</a:t>
+            </a:r>
+            <a:r>
+              <a:rPr lang="pt-BR" sz="1800" b="0" strike="noStrike" spc="-1" dirty="0">
+                <a:solidFill>
+                  <a:srgbClr val="01498E"/>
+                </a:solidFill>
+                <a:latin typeface="Arial"/>
+                <a:ea typeface="Calibri"/>
+              </a:rPr>
+              <a:t>.</a:t>
+            </a:r>
+            <a:endParaRPr lang="pt-BR" sz="1800" b="0" strike="noStrike" spc="-1" dirty="0">
+              <a:solidFill>
+                <a:srgbClr val="000000"/>
+              </a:solidFill>
+              <a:latin typeface="Arial"/>
+            </a:endParaRPr>
+          </a:p>
+          <a:p>
+            <a:pPr marL="432000" lvl="1" indent="-216000" algn="just">
+              <a:lnSpc>
+                <a:spcPct val="115000"/>
+              </a:lnSpc>
+              <a:buClr>
+                <a:srgbClr val="000000"/>
+              </a:buClr>
+              <a:buSzPct val="45000"/>
+              <a:buFont typeface="Wingdings" charset="2"/>
+              <a:buChar char=""/>
+            </a:pPr>
+            <a:r>
+              <a:rPr lang="pt-BR" sz="1800" b="0" strike="noStrike" spc="-1" dirty="0">
+                <a:solidFill>
+                  <a:srgbClr val="01498E"/>
+                </a:solidFill>
+                <a:latin typeface="Arial"/>
+                <a:ea typeface="Calibri"/>
+              </a:rPr>
+              <a:t>Passo 2: Crie </a:t>
+            </a:r>
+            <a:r>
+              <a:rPr lang="pt-BR" sz="1800" b="0" strike="noStrike" spc="-1" dirty="0" err="1">
+                <a:solidFill>
+                  <a:srgbClr val="01498E"/>
+                </a:solidFill>
+                <a:latin typeface="Arial"/>
+                <a:ea typeface="Calibri"/>
+              </a:rPr>
+              <a:t>templates</a:t>
+            </a:r>
+            <a:r>
+              <a:rPr lang="pt-BR" sz="1800" b="0" strike="noStrike" spc="-1" dirty="0">
+                <a:solidFill>
+                  <a:srgbClr val="01498E"/>
+                </a:solidFill>
+                <a:latin typeface="Arial"/>
+                <a:ea typeface="Calibri"/>
+              </a:rPr>
+              <a:t>/index.html: </a:t>
+            </a:r>
+            <a:endParaRPr lang="pt-BR" sz="1800" b="0" strike="noStrike" spc="-1" dirty="0">
+              <a:solidFill>
+                <a:srgbClr val="000000"/>
+              </a:solidFill>
+              <a:latin typeface="Arial"/>
+            </a:endParaRPr>
+          </a:p>
+          <a:p>
+            <a:pPr marL="432000" lvl="1" indent="-216000" algn="just">
+              <a:lnSpc>
+                <a:spcPct val="115000"/>
+              </a:lnSpc>
+              <a:buClr>
+                <a:srgbClr val="000000"/>
+              </a:buClr>
+              <a:buSzPct val="45000"/>
+              <a:buFont typeface="Wingdings" charset="2"/>
+              <a:buChar char=""/>
+            </a:pPr>
+            <a:endParaRPr lang="pt-BR" sz="1800" b="0" strike="noStrike" spc="-1" dirty="0">
+              <a:solidFill>
+                <a:srgbClr val="000000"/>
+              </a:solidFill>
+              <a:latin typeface="Arial"/>
+            </a:endParaRPr>
+          </a:p>
+          <a:p>
+            <a:pPr marL="432000" lvl="1" indent="-216000" algn="just">
+              <a:lnSpc>
+                <a:spcPct val="115000"/>
+              </a:lnSpc>
+              <a:buClr>
+                <a:srgbClr val="000000"/>
+              </a:buClr>
+              <a:buSzPct val="45000"/>
+              <a:buFont typeface="Wingdings" charset="2"/>
+              <a:buChar char=""/>
+            </a:pPr>
+            <a:endParaRPr lang="pt-BR" sz="1800" b="0" strike="noStrike" spc="-1" dirty="0">
+              <a:solidFill>
+                <a:srgbClr val="000000"/>
+              </a:solidFill>
+              <a:latin typeface="Arial"/>
+            </a:endParaRPr>
+          </a:p>
+          <a:p>
+            <a:pPr marL="432000" lvl="1" indent="-216000" algn="just">
+              <a:lnSpc>
+                <a:spcPct val="115000"/>
+              </a:lnSpc>
+              <a:buClr>
+                <a:srgbClr val="000000"/>
+              </a:buClr>
+              <a:buSzPct val="45000"/>
+              <a:buFont typeface="Wingdings" charset="2"/>
+              <a:buChar char=""/>
+            </a:pPr>
+            <a:endParaRPr lang="pt-BR" sz="1800" b="0" strike="noStrike" spc="-1" dirty="0">
+              <a:solidFill>
+                <a:srgbClr val="000000"/>
+              </a:solidFill>
+              <a:latin typeface="Arial"/>
+            </a:endParaRPr>
+          </a:p>
+          <a:p>
+            <a:pPr marL="432000" lvl="1" indent="-216000" algn="just">
+              <a:lnSpc>
+                <a:spcPct val="115000"/>
+              </a:lnSpc>
+              <a:buClr>
+                <a:srgbClr val="000000"/>
+              </a:buClr>
+              <a:buSzPct val="45000"/>
+              <a:buFont typeface="Wingdings" charset="2"/>
+              <a:buChar char=""/>
+            </a:pPr>
+            <a:endParaRPr lang="pt-BR" sz="1800" b="0" strike="noStrike" spc="-1" dirty="0">
+              <a:solidFill>
+                <a:srgbClr val="000000"/>
+              </a:solidFill>
+              <a:latin typeface="Arial"/>
+            </a:endParaRPr>
+          </a:p>
+          <a:p>
+            <a:pPr marL="432000" lvl="1" indent="-216000" algn="just">
+              <a:lnSpc>
+                <a:spcPct val="115000"/>
+              </a:lnSpc>
+              <a:buClr>
+                <a:srgbClr val="000000"/>
+              </a:buClr>
+              <a:buSzPct val="45000"/>
+              <a:buFont typeface="Wingdings" charset="2"/>
+              <a:buChar char=""/>
+            </a:pPr>
+            <a:r>
+              <a:rPr lang="pt-BR" sz="1800" b="0" strike="noStrike" spc="-1" dirty="0">
+                <a:solidFill>
+                  <a:srgbClr val="01498E"/>
+                </a:solidFill>
+                <a:latin typeface="Arial"/>
+                <a:ea typeface="Calibri"/>
+              </a:rPr>
+              <a:t>Passo 3: modifique a rota</a:t>
+            </a:r>
+            <a:endParaRPr lang="pt-BR" sz="1800" b="0" strike="noStrike" spc="-1" dirty="0">
+              <a:solidFill>
+                <a:srgbClr val="000000"/>
+              </a:solidFill>
+              <a:latin typeface="Arial"/>
+            </a:endParaRPr>
+          </a:p>
+          <a:p>
+            <a:pPr algn="just">
+              <a:lnSpc>
+                <a:spcPct val="115000"/>
+              </a:lnSpc>
+            </a:pPr>
+            <a:endParaRPr lang="pt-BR" sz="1800" b="0" strike="noStrike" spc="-1" dirty="0">
+              <a:solidFill>
+                <a:srgbClr val="000000"/>
+              </a:solidFill>
+              <a:latin typeface="Arial"/>
+            </a:endParaRPr>
+          </a:p>
+          <a:p>
+            <a:pPr algn="just">
+              <a:lnSpc>
+                <a:spcPct val="115000"/>
+              </a:lnSpc>
+            </a:pPr>
+            <a:endParaRPr lang="pt-BR" sz="1800" b="0" strike="noStrike" spc="-1" dirty="0">
+              <a:solidFill>
+                <a:srgbClr val="000000"/>
+              </a:solidFill>
+              <a:latin typeface="Arial"/>
+            </a:endParaRPr>
+          </a:p>
+          <a:p>
+            <a:pPr marL="216000" algn="just">
+              <a:lnSpc>
+                <a:spcPct val="115000"/>
+              </a:lnSpc>
+            </a:pPr>
+            <a:endParaRPr lang="pt-BR" sz="1800" b="0" strike="noStrike" spc="-1" dirty="0">
+              <a:solidFill>
+                <a:srgbClr val="000000"/>
+              </a:solidFill>
+              <a:latin typeface="Arial"/>
+            </a:endParaRPr>
+          </a:p>
+          <a:p>
+            <a:pPr marL="216000" algn="just">
+              <a:lnSpc>
+                <a:spcPct val="115000"/>
+              </a:lnSpc>
+            </a:pPr>
+            <a:endParaRPr lang="pt-BR" sz="1800" b="0" strike="noStrike" spc="-1" dirty="0">
+              <a:solidFill>
+                <a:srgbClr val="000000"/>
+              </a:solidFill>
+              <a:latin typeface="Arial"/>
+            </a:endParaRPr>
+          </a:p>
+          <a:p>
+            <a:pPr marL="216000" algn="just">
+              <a:lnSpc>
+                <a:spcPct val="115000"/>
+              </a:lnSpc>
+            </a:pPr>
+            <a:endParaRPr lang="pt-BR" sz="1800" b="0" strike="noStrike" spc="-1" dirty="0">
+              <a:solidFill>
+                <a:srgbClr val="000000"/>
+              </a:solidFill>
+              <a:latin typeface="Arial"/>
+            </a:endParaRPr>
+          </a:p>
+          <a:p>
+            <a:pPr marL="216000" algn="just">
+              <a:lnSpc>
+                <a:spcPct val="115000"/>
+              </a:lnSpc>
+            </a:pPr>
+            <a:endParaRPr lang="pt-BR" sz="1800" b="0" strike="noStrike" spc="-1" dirty="0">
+              <a:solidFill>
+                <a:srgbClr val="000000"/>
+              </a:solidFill>
+              <a:latin typeface="Arial"/>
+            </a:endParaRPr>
+          </a:p>
+          <a:p>
+            <a:pPr marL="216000" algn="just">
+              <a:lnSpc>
+                <a:spcPct val="115000"/>
+              </a:lnSpc>
+            </a:pPr>
+            <a:endParaRPr lang="pt-BR" sz="1800" b="0" strike="noStrike" spc="-1" dirty="0">
               <a:solidFill>
                 <a:srgbClr val="000000"/>
               </a:solidFill>
@@ -18124,19 +18450,18 @@
       </p:sp>
       <p:pic>
         <p:nvPicPr>
-          <p:cNvPr id="241" name="Imagem 25"/>
+          <p:cNvPr id="243" name="Imagem 242"/>
           <p:cNvPicPr/>
           <p:nvPr/>
         </p:nvPicPr>
         <p:blipFill>
           <a:blip r:embed="rId2"/>
-          <a:srcRect b="20507"/>
           <a:stretch/>
         </p:blipFill>
         <p:spPr>
           <a:xfrm>
-            <a:off x="8100720" y="900720"/>
-            <a:ext cx="2141640" cy="3602520"/>
+            <a:off x="1166400" y="2192760"/>
+            <a:ext cx="7113600" cy="1047240"/>
           </a:xfrm>
           <a:prstGeom prst="rect">
             <a:avLst/>
@@ -18146,16 +18471,74 @@
           </a:ln>
         </p:spPr>
       </p:pic>
-      <p:sp>
-        <p:nvSpPr>
-          <p:cNvPr id="242" name="CaixaDeTexto 19"/>
+      <p:pic>
+        <p:nvPicPr>
+          <p:cNvPr id="244" name="Imagem 243"/>
+          <p:cNvPicPr/>
+          <p:nvPr/>
+        </p:nvPicPr>
+        <p:blipFill>
+          <a:blip r:embed="rId3"/>
+          <a:stretch/>
+        </p:blipFill>
+        <p:spPr>
+          <a:xfrm>
+            <a:off x="1200960" y="3703680"/>
+            <a:ext cx="6539040" cy="1440000"/>
+          </a:xfrm>
+          <a:prstGeom prst="rect">
+            <a:avLst/>
+          </a:prstGeom>
+          <a:ln w="0">
+            <a:noFill/>
+          </a:ln>
+        </p:spPr>
+      </p:pic>
+      <p:pic>
+        <p:nvPicPr>
+          <p:cNvPr id="2" name="Imagem 27">
+            <a:extLst>
+              <a:ext uri="{FF2B5EF4-FFF2-40B4-BE49-F238E27FC236}">
+                <a16:creationId xmlns:a16="http://schemas.microsoft.com/office/drawing/2014/main" id="{FC0355EC-B869-75A2-5A70-212CBB51285C}"/>
+              </a:ext>
+            </a:extLst>
+          </p:cNvPr>
+          <p:cNvPicPr/>
+          <p:nvPr/>
+        </p:nvPicPr>
+        <p:blipFill>
+          <a:blip r:embed="rId4"/>
+          <a:stretch/>
+        </p:blipFill>
+        <p:spPr>
+          <a:xfrm rot="5400000">
+            <a:off x="7668000" y="802800"/>
+            <a:ext cx="2972880" cy="3196800"/>
+          </a:xfrm>
+          <a:prstGeom prst="rect">
+            <a:avLst/>
+          </a:prstGeom>
+          <a:ln w="0">
+            <a:noFill/>
+          </a:ln>
+        </p:spPr>
+      </p:pic>
+      <p:sp>
+        <p:nvSpPr>
+          <p:cNvPr id="3" name="Título 21">
+            <a:extLst>
+              <a:ext uri="{FF2B5EF4-FFF2-40B4-BE49-F238E27FC236}">
+                <a16:creationId xmlns:a16="http://schemas.microsoft.com/office/drawing/2014/main" id="{77749B63-7E15-DC7A-CF25-913959A852D6}"/>
+              </a:ext>
+            </a:extLst>
+          </p:cNvPr>
           <p:cNvSpPr/>
           <p:nvPr/>
         </p:nvSpPr>
         <p:spPr>
           <a:xfrm>
-            <a:off x="291960" y="1113480"/>
-            <a:ext cx="7692840" cy="4820040"/>
+            <a:off x="291960" y="32040"/>
+            <a:ext cx="5586480" cy="898920"/>
           </a:xfrm>
           <a:prstGeom prst="rect">
             <a:avLst/>
@@ -18178,340 +18561,55 @@
           <a:fontRef idx="minor"/>
         </p:style>
         <p:txBody>
-          <a:bodyPr lIns="90000" tIns="45000" rIns="90000" bIns="45000" anchor="t">
-            <a:spAutoFit/>
+          <a:bodyPr lIns="90000" tIns="91440" rIns="90000" bIns="91440" anchor="t">
+            <a:noAutofit/>
           </a:bodyPr>
           <a:lstStyle/>
           <a:p>
-            <a:pPr marL="216000" indent="-216000" algn="just">
-              <a:lnSpc>
-                <a:spcPct val="115000"/>
-              </a:lnSpc>
-              <a:buClr>
-                <a:srgbClr val="000000"/>
-              </a:buClr>
-              <a:buFont typeface="Arial"/>
-              <a:buChar char="●"/>
-            </a:pPr>
-            <a:r>
-              <a:rPr lang="pt-BR" sz="1800" b="0" strike="noStrike" spc="-1">
-                <a:solidFill>
-                  <a:srgbClr val="01498E"/>
-                </a:solidFill>
-                <a:latin typeface="Arial"/>
-                <a:ea typeface="Calibri"/>
+            <a:pPr>
+              <a:lnSpc>
+                <a:spcPct val="100000"/>
+              </a:lnSpc>
+            </a:pPr>
+            <a:r>
+              <a:rPr lang="pt-BR" sz="5400" b="1" strike="noStrike" spc="-1" dirty="0" err="1">
+                <a:solidFill>
+                  <a:srgbClr val="002060"/>
+                </a:solidFill>
+                <a:latin typeface="Overpass"/>
+                <a:ea typeface="Overpass"/>
               </a:rPr>
-              <a:t>Criando Páginas Dinâmicas com Templates"</a:t>
-            </a:r>
-            <a:endParaRPr lang="pt-BR" sz="1800" b="0" strike="noStrike" spc="-1">
-              <a:solidFill>
-                <a:srgbClr val="000000"/>
-              </a:solidFill>
-              <a:latin typeface="Arial"/>
-            </a:endParaRPr>
-          </a:p>
-          <a:p>
-            <a:pPr marL="432000" lvl="1" indent="-216000" algn="just">
-              <a:lnSpc>
-                <a:spcPct val="115000"/>
-              </a:lnSpc>
-              <a:buClr>
-                <a:srgbClr val="000000"/>
-              </a:buClr>
-              <a:buSzPct val="45000"/>
-              <a:buFont typeface="Wingdings" charset="2"/>
-              <a:buChar char=""/>
-            </a:pPr>
-            <a:r>
-              <a:rPr lang="pt-BR" sz="1800" b="0" strike="noStrike" spc="-1">
-                <a:solidFill>
-                  <a:srgbClr val="01498E"/>
-                </a:solidFill>
-                <a:latin typeface="Arial"/>
-                <a:ea typeface="Calibri"/>
+              <a:t>Let’s</a:t>
+            </a:r>
+            <a:r>
+              <a:rPr lang="pt-BR" sz="5400" b="1" strike="noStrike" spc="-1" dirty="0">
+                <a:solidFill>
+                  <a:srgbClr val="002060"/>
+                </a:solidFill>
+                <a:latin typeface="Overpass"/>
+                <a:ea typeface="Overpass"/>
               </a:rPr>
-              <a:t>Passo 1: Crie a pasta templates.</a:t>
-            </a:r>
-            <a:endParaRPr lang="pt-BR" sz="1800" b="0" strike="noStrike" spc="-1">
-              <a:solidFill>
-                <a:srgbClr val="000000"/>
-              </a:solidFill>
-              <a:latin typeface="Arial"/>
-            </a:endParaRPr>
-          </a:p>
-          <a:p>
-            <a:pPr marL="432000" lvl="1" indent="-216000" algn="just">
-              <a:lnSpc>
-                <a:spcPct val="115000"/>
-              </a:lnSpc>
-              <a:buClr>
-                <a:srgbClr val="000000"/>
-              </a:buClr>
-              <a:buSzPct val="45000"/>
-              <a:buFont typeface="Wingdings" charset="2"/>
-              <a:buChar char=""/>
-            </a:pPr>
-            <a:r>
-              <a:rPr lang="pt-BR" sz="1800" b="0" strike="noStrike" spc="-1">
-                <a:solidFill>
-                  <a:srgbClr val="01498E"/>
-                </a:solidFill>
-                <a:latin typeface="Arial"/>
-                <a:ea typeface="Calibri"/>
+              <a:t> </a:t>
+            </a:r>
+            <a:r>
+              <a:rPr lang="pt-BR" sz="5400" b="1" strike="noStrike" spc="-1" dirty="0" err="1">
+                <a:solidFill>
+                  <a:srgbClr val="002060"/>
+                </a:solidFill>
+                <a:latin typeface="Overpass"/>
+                <a:ea typeface="Overpass"/>
               </a:rPr>
-              <a:t>Passo 2: Crie templates/index.html: </a:t>
-            </a:r>
-            <a:endParaRPr lang="pt-BR" sz="1800" b="0" strike="noStrike" spc="-1">
-              <a:solidFill>
-                <a:srgbClr val="000000"/>
-              </a:solidFill>
-              <a:latin typeface="Arial"/>
-            </a:endParaRPr>
-          </a:p>
-          <a:p>
-            <a:pPr marL="432000" lvl="1" indent="-216000" algn="just">
-              <a:lnSpc>
-                <a:spcPct val="115000"/>
-              </a:lnSpc>
-              <a:buClr>
-                <a:srgbClr val="000000"/>
-              </a:buClr>
-              <a:buSzPct val="45000"/>
-              <a:buFont typeface="Wingdings" charset="2"/>
-              <a:buChar char=""/>
-            </a:pPr>
-            <a:endParaRPr lang="pt-BR" sz="1800" b="0" strike="noStrike" spc="-1">
-              <a:solidFill>
-                <a:srgbClr val="000000"/>
-              </a:solidFill>
-              <a:latin typeface="Arial"/>
-            </a:endParaRPr>
-          </a:p>
-          <a:p>
-            <a:pPr marL="432000" lvl="1" indent="-216000" algn="just">
-              <a:lnSpc>
-                <a:spcPct val="115000"/>
-              </a:lnSpc>
-              <a:buClr>
-                <a:srgbClr val="000000"/>
-              </a:buClr>
-              <a:buSzPct val="45000"/>
-              <a:buFont typeface="Wingdings" charset="2"/>
-              <a:buChar char=""/>
-            </a:pPr>
-            <a:endParaRPr lang="pt-BR" sz="1800" b="0" strike="noStrike" spc="-1">
-              <a:solidFill>
-                <a:srgbClr val="000000"/>
-              </a:solidFill>
-              <a:latin typeface="Arial"/>
-            </a:endParaRPr>
-          </a:p>
-          <a:p>
-            <a:pPr marL="432000" lvl="1" indent="-216000" algn="just">
-              <a:lnSpc>
-                <a:spcPct val="115000"/>
-              </a:lnSpc>
-              <a:buClr>
-                <a:srgbClr val="000000"/>
-              </a:buClr>
-              <a:buSzPct val="45000"/>
-              <a:buFont typeface="Wingdings" charset="2"/>
-              <a:buChar char=""/>
-            </a:pPr>
-            <a:endParaRPr lang="pt-BR" sz="1800" b="0" strike="noStrike" spc="-1">
-              <a:solidFill>
-                <a:srgbClr val="000000"/>
-              </a:solidFill>
-              <a:latin typeface="Arial"/>
-            </a:endParaRPr>
-          </a:p>
-          <a:p>
-            <a:pPr marL="432000" lvl="1" indent="-216000" algn="just">
-              <a:lnSpc>
-                <a:spcPct val="115000"/>
-              </a:lnSpc>
-              <a:buClr>
-                <a:srgbClr val="000000"/>
-              </a:buClr>
-              <a:buSzPct val="45000"/>
-              <a:buFont typeface="Wingdings" charset="2"/>
-              <a:buChar char=""/>
-            </a:pPr>
-            <a:endParaRPr lang="pt-BR" sz="1800" b="0" strike="noStrike" spc="-1">
-              <a:solidFill>
-                <a:srgbClr val="000000"/>
-              </a:solidFill>
-              <a:latin typeface="Arial"/>
-            </a:endParaRPr>
-          </a:p>
-          <a:p>
-            <a:pPr marL="432000" lvl="1" indent="-216000" algn="just">
-              <a:lnSpc>
-                <a:spcPct val="115000"/>
-              </a:lnSpc>
-              <a:buClr>
-                <a:srgbClr val="000000"/>
-              </a:buClr>
-              <a:buSzPct val="45000"/>
-              <a:buFont typeface="Wingdings" charset="2"/>
-              <a:buChar char=""/>
-            </a:pPr>
-            <a:r>
-              <a:rPr lang="pt-BR" sz="1800" b="0" strike="noStrike" spc="-1">
-                <a:solidFill>
-                  <a:srgbClr val="01498E"/>
-                </a:solidFill>
-                <a:latin typeface="Arial"/>
-                <a:ea typeface="Calibri"/>
-              </a:rPr>
-              <a:t>Passo 3: modifique a rota</a:t>
-            </a:r>
-            <a:endParaRPr lang="pt-BR" sz="1800" b="0" strike="noStrike" spc="-1">
-              <a:solidFill>
-                <a:srgbClr val="000000"/>
-              </a:solidFill>
-              <a:latin typeface="Arial"/>
-            </a:endParaRPr>
-          </a:p>
-          <a:p>
-            <a:pPr algn="just">
-              <a:lnSpc>
-                <a:spcPct val="115000"/>
-              </a:lnSpc>
-            </a:pPr>
-            <a:endParaRPr lang="pt-BR" sz="1800" b="0" strike="noStrike" spc="-1">
-              <a:solidFill>
-                <a:srgbClr val="000000"/>
-              </a:solidFill>
-              <a:latin typeface="Arial"/>
-            </a:endParaRPr>
-          </a:p>
-          <a:p>
-            <a:pPr algn="just">
-              <a:lnSpc>
-                <a:spcPct val="115000"/>
-              </a:lnSpc>
-            </a:pPr>
-            <a:endParaRPr lang="pt-BR" sz="1800" b="0" strike="noStrike" spc="-1">
-              <a:solidFill>
-                <a:srgbClr val="000000"/>
-              </a:solidFill>
-              <a:latin typeface="Arial"/>
-            </a:endParaRPr>
-          </a:p>
-          <a:p>
-            <a:pPr marL="216000" algn="just">
-              <a:lnSpc>
-                <a:spcPct val="115000"/>
-              </a:lnSpc>
-            </a:pPr>
-            <a:endParaRPr lang="pt-BR" sz="1800" b="0" strike="noStrike" spc="-1">
-              <a:solidFill>
-                <a:srgbClr val="000000"/>
-              </a:solidFill>
-              <a:latin typeface="Arial"/>
-            </a:endParaRPr>
-          </a:p>
-          <a:p>
-            <a:pPr marL="216000" algn="just">
-              <a:lnSpc>
-                <a:spcPct val="115000"/>
-              </a:lnSpc>
-            </a:pPr>
-            <a:endParaRPr lang="pt-BR" sz="1800" b="0" strike="noStrike" spc="-1">
-              <a:solidFill>
-                <a:srgbClr val="000000"/>
-              </a:solidFill>
-              <a:latin typeface="Arial"/>
-            </a:endParaRPr>
-          </a:p>
-          <a:p>
-            <a:pPr marL="216000" algn="just">
-              <a:lnSpc>
-                <a:spcPct val="115000"/>
-              </a:lnSpc>
-            </a:pPr>
-            <a:endParaRPr lang="pt-BR" sz="1800" b="0" strike="noStrike" spc="-1">
-              <a:solidFill>
-                <a:srgbClr val="000000"/>
-              </a:solidFill>
-              <a:latin typeface="Arial"/>
-            </a:endParaRPr>
-          </a:p>
-          <a:p>
-            <a:pPr marL="216000" algn="just">
-              <a:lnSpc>
-                <a:spcPct val="115000"/>
-              </a:lnSpc>
-            </a:pPr>
-            <a:endParaRPr lang="pt-BR" sz="1800" b="0" strike="noStrike" spc="-1">
-              <a:solidFill>
-                <a:srgbClr val="000000"/>
-              </a:solidFill>
-              <a:latin typeface="Arial"/>
-            </a:endParaRPr>
-          </a:p>
-          <a:p>
-            <a:pPr marL="216000" algn="just">
-              <a:lnSpc>
-                <a:spcPct val="115000"/>
-              </a:lnSpc>
-            </a:pPr>
-            <a:endParaRPr lang="pt-BR" sz="1800" b="0" strike="noStrike" spc="-1">
-              <a:solidFill>
-                <a:srgbClr val="000000"/>
-              </a:solidFill>
-              <a:latin typeface="Arial"/>
-            </a:endParaRPr>
-          </a:p>
-        </p:txBody>
-      </p:sp>
-      <p:pic>
-        <p:nvPicPr>
-          <p:cNvPr id="243" name="Imagem 242"/>
-          <p:cNvPicPr/>
-          <p:nvPr/>
-        </p:nvPicPr>
-        <p:blipFill>
-          <a:blip r:embed="rId3"/>
-          <a:stretch/>
-        </p:blipFill>
-        <p:spPr>
-          <a:xfrm>
-            <a:off x="1166400" y="2192760"/>
-            <a:ext cx="7113600" cy="1047240"/>
-          </a:xfrm>
-          <a:prstGeom prst="rect">
-            <a:avLst/>
-          </a:prstGeom>
-          <a:ln w="0">
-            <a:noFill/>
-          </a:ln>
-        </p:spPr>
-      </p:pic>
-      <p:pic>
-        <p:nvPicPr>
-          <p:cNvPr id="244" name="Imagem 243"/>
-          <p:cNvPicPr/>
-          <p:nvPr/>
-        </p:nvPicPr>
-        <p:blipFill>
-          <a:blip r:embed="rId4"/>
-          <a:stretch/>
-        </p:blipFill>
-        <p:spPr>
-          <a:xfrm>
-            <a:off x="1200960" y="3703680"/>
-            <a:ext cx="6539040" cy="1440000"/>
-          </a:xfrm>
-          <a:prstGeom prst="rect">
-            <a:avLst/>
-          </a:prstGeom>
-          <a:ln w="0">
-            <a:noFill/>
-          </a:ln>
-        </p:spPr>
-      </p:pic>
+              <a:t>Work</a:t>
+            </a:r>
+            <a:endParaRPr lang="pt-BR" sz="5400" b="0" strike="noStrike" spc="-1" dirty="0">
+              <a:solidFill>
+                <a:srgbClr val="000000"/>
+              </a:solidFill>
+              <a:latin typeface="Arial"/>
+            </a:endParaRPr>
+          </a:p>
+        </p:txBody>
+      </p:sp>
     </p:spTree>
   </p:cSld>
   <p:clrMapOvr>
